--- a/WebScraping_Tennis.pptx
+++ b/WebScraping_Tennis.pptx
@@ -16,7 +16,11 @@
     <p:sldId id="271" r:id="rId10"/>
     <p:sldId id="272" r:id="rId11"/>
     <p:sldId id="273" r:id="rId12"/>
-    <p:sldId id="274" r:id="rId13"/>
+    <p:sldId id="279" r:id="rId13"/>
+    <p:sldId id="274" r:id="rId14"/>
+    <p:sldId id="275" r:id="rId15"/>
+    <p:sldId id="276" r:id="rId16"/>
+    <p:sldId id="277" r:id="rId17"/>
   </p:sldIdLst>
   <p:sldSz cx="12192000" cy="6858000"/>
   <p:notesSz cx="6858000" cy="9144000"/>
@@ -115,6 +119,11 @@
       </a:defRPr>
     </a:lvl9pPr>
   </p:defaultTextStyle>
+  <p:extLst>
+    <p:ext uri="{EFAFB233-063F-42B5-8137-9DF3F51BA10A}">
+      <p15:sldGuideLst xmlns:p15="http://schemas.microsoft.com/office/powerpoint/2012/main"/>
+    </p:ext>
+  </p:extLst>
 </p:presentation>
 </file>
 
@@ -281,7 +290,7 @@
           <a:p>
             <a:fld id="{D4A213A3-10E9-421F-81BE-56E0786AB515}" type="datetime2">
               <a:rPr lang="en-US" smtClean="0"/>
-              <a:t>Saturday, September 26, 2020</a:t>
+              <a:t>Wednesday, September 30, 2020</a:t>
             </a:fld>
             <a:endParaRPr lang="en-US"/>
           </a:p>
@@ -479,7 +488,7 @@
           <a:p>
             <a:fld id="{3D5DABC0-2199-478F-BA77-33A651B6CB89}" type="datetime2">
               <a:rPr lang="en-US" smtClean="0"/>
-              <a:t>Saturday, September 26, 2020</a:t>
+              <a:t>Wednesday, September 30, 2020</a:t>
             </a:fld>
             <a:endParaRPr lang="en-US"/>
           </a:p>
@@ -688,7 +697,7 @@
           <a:p>
             <a:fld id="{D72230C6-DF61-47F4-B8C5-1B70E884BF06}" type="datetime2">
               <a:rPr lang="en-US" smtClean="0"/>
-              <a:t>Saturday, September 26, 2020</a:t>
+              <a:t>Wednesday, September 30, 2020</a:t>
             </a:fld>
             <a:endParaRPr lang="en-US"/>
           </a:p>
@@ -898,7 +907,7 @@
           <a:p>
             <a:fld id="{6B12B50C-7EEE-46CD-BAF7-BBC4026D959A}" type="datetime2">
               <a:rPr lang="en-US" smtClean="0"/>
-              <a:t>Saturday, September 26, 2020</a:t>
+              <a:t>Wednesday, September 30, 2020</a:t>
             </a:fld>
             <a:endParaRPr lang="en-US"/>
           </a:p>
@@ -1178,7 +1187,7 @@
           <a:p>
             <a:fld id="{8D4211C4-AE09-4254-A5E3-6DA9B099C971}" type="datetime2">
               <a:rPr lang="en-US" smtClean="0"/>
-              <a:t>Saturday, September 26, 2020</a:t>
+              <a:t>Wednesday, September 30, 2020</a:t>
             </a:fld>
             <a:endParaRPr lang="en-US"/>
           </a:p>
@@ -1457,7 +1466,7 @@
           <a:p>
             <a:fld id="{681742C3-E082-4760-93B2-E209268DD00C}" type="datetime2">
               <a:rPr lang="en-US" smtClean="0"/>
-              <a:t>Saturday, September 26, 2020</a:t>
+              <a:t>Wednesday, September 30, 2020</a:t>
             </a:fld>
             <a:endParaRPr lang="en-US"/>
           </a:p>
@@ -1878,7 +1887,7 @@
           <a:p>
             <a:fld id="{3B6FC950-F824-48B9-B984-CAEE265865E5}" type="datetime2">
               <a:rPr lang="en-US" smtClean="0"/>
-              <a:t>Saturday, September 26, 2020</a:t>
+              <a:t>Wednesday, September 30, 2020</a:t>
             </a:fld>
             <a:endParaRPr lang="en-US"/>
           </a:p>
@@ -2031,7 +2040,7 @@
           <a:p>
             <a:fld id="{BC8E3A0F-68E7-4D17-BB84-ED1BA4F6AC6B}" type="datetime2">
               <a:rPr lang="en-US" smtClean="0"/>
-              <a:t>Saturday, September 26, 2020</a:t>
+              <a:t>Wednesday, September 30, 2020</a:t>
             </a:fld>
             <a:endParaRPr lang="en-US"/>
           </a:p>
@@ -2144,7 +2153,7 @@
           <a:p>
             <a:fld id="{EDB7BC4F-EDA1-4BA2-BFF3-FE5B31CCB58B}" type="datetime2">
               <a:rPr lang="en-US" smtClean="0"/>
-              <a:t>Saturday, September 26, 2020</a:t>
+              <a:t>Wednesday, September 30, 2020</a:t>
             </a:fld>
             <a:endParaRPr lang="en-US"/>
           </a:p>
@@ -2458,7 +2467,7 @@
           <a:p>
             <a:fld id="{3AAE694C-1394-4838-A564-7380835C2E77}" type="datetime2">
               <a:rPr lang="en-US" smtClean="0"/>
-              <a:t>Saturday, September 26, 2020</a:t>
+              <a:t>Wednesday, September 30, 2020</a:t>
             </a:fld>
             <a:endParaRPr lang="en-US"/>
           </a:p>
@@ -2751,7 +2760,7 @@
           <a:p>
             <a:fld id="{CAB84B19-1A00-4EDB-8425-E1827A377364}" type="datetime2">
               <a:rPr lang="en-US" smtClean="0"/>
-              <a:t>Saturday, September 26, 2020</a:t>
+              <a:t>Wednesday, September 30, 2020</a:t>
             </a:fld>
             <a:endParaRPr lang="en-US"/>
           </a:p>
@@ -3120,7 +3129,7 @@
           <a:p>
             <a:fld id="{10076A27-8146-4F75-9851-A83577C6FD8A}" type="datetime2">
               <a:rPr lang="en-US" smtClean="0"/>
-              <a:t>Saturday, September 26, 2020</a:t>
+              <a:t>Wednesday, September 30, 2020</a:t>
             </a:fld>
             <a:endParaRPr lang="en-US"/>
           </a:p>
@@ -3796,7 +3805,7 @@
           <a:lstStyle/>
           <a:p>
             <a:r>
-              <a:rPr lang="en-US">
+              <a:rPr lang="en-US" dirty="0">
                 <a:solidFill>
                   <a:srgbClr val="FFFFFF"/>
                 </a:solidFill>
@@ -3806,13 +3815,26 @@
           </a:p>
           <a:p>
             <a:r>
-              <a:rPr lang="en-US">
+              <a:rPr lang="en-US" dirty="0">
                 <a:solidFill>
                   <a:srgbClr val="FFFFFF"/>
                 </a:solidFill>
               </a:rPr>
-              <a:t>By Ramiz Abujamra</a:t>
-            </a:r>
+              <a:t>By Ramzi </a:t>
+            </a:r>
+            <a:r>
+              <a:rPr lang="en-US" dirty="0" err="1">
+                <a:solidFill>
+                  <a:srgbClr val="FFFFFF"/>
+                </a:solidFill>
+              </a:rPr>
+              <a:t>Abujamra</a:t>
+            </a:r>
+            <a:endParaRPr lang="en-US" dirty="0">
+              <a:solidFill>
+                <a:srgbClr val="FFFFFF"/>
+              </a:solidFill>
+            </a:endParaRPr>
           </a:p>
         </p:txBody>
       </p:sp>
@@ -4113,61 +4135,57 @@
         </p:nvSpPr>
         <p:spPr/>
         <p:txBody>
-          <a:bodyPr/>
+          <a:bodyPr>
+            <a:normAutofit fontScale="90000"/>
+          </a:bodyPr>
           <a:lstStyle/>
           <a:p>
             <a:r>
               <a:rPr lang="en-US" dirty="0"/>
-              <a:t>Data exploration</a:t>
-            </a:r>
-          </a:p>
-        </p:txBody>
-      </p:sp>
-      <p:sp>
-        <p:nvSpPr>
-          <p:cNvPr id="3" name="Content Placeholder 2">
-            <a:extLst>
-              <a:ext uri="{FF2B5EF4-FFF2-40B4-BE49-F238E27FC236}">
-                <a16:creationId xmlns:a16="http://schemas.microsoft.com/office/drawing/2014/main" id="{18A232BB-9208-0D4D-9AF6-B59DAA37C785}"/>
-              </a:ext>
-            </a:extLst>
-          </p:cNvPr>
-          <p:cNvSpPr>
-            <a:spLocks noGrp="1"/>
-          </p:cNvSpPr>
+              <a:t>Data exploration: </a:t>
+            </a:r>
+            <a:br>
+              <a:rPr lang="en-US" dirty="0"/>
+            </a:br>
+            <a:r>
+              <a:rPr lang="en-US" dirty="0"/>
+              <a:t>countries with most players</a:t>
+            </a:r>
+          </a:p>
+        </p:txBody>
+      </p:sp>
+      <p:pic>
+        <p:nvPicPr>
+          <p:cNvPr id="4" name="Content Placeholder 3">
+            <a:extLst>
+              <a:ext uri="{FF2B5EF4-FFF2-40B4-BE49-F238E27FC236}">
+                <a16:creationId xmlns:a16="http://schemas.microsoft.com/office/drawing/2014/main" id="{F0EB0C63-B519-BA4F-8A3C-D6419CAE5BF4}"/>
+              </a:ext>
+            </a:extLst>
+          </p:cNvPr>
+          <p:cNvPicPr>
+            <a:picLocks noGrp="1" noChangeAspect="1"/>
+          </p:cNvPicPr>
           <p:nvPr>
             <p:ph idx="1"/>
           </p:nvPr>
-        </p:nvSpPr>
-        <p:spPr/>
-        <p:txBody>
-          <a:bodyPr/>
-          <a:lstStyle/>
-          <a:p>
-            <a:r>
-              <a:rPr lang="en-US" dirty="0"/>
-              <a:t>Scrapped website: </a:t>
-            </a:r>
-            <a:r>
-              <a:rPr lang="en-US" dirty="0" err="1"/>
-              <a:t>ATPTour.org</a:t>
-            </a:r>
-            <a:endParaRPr lang="en-US" dirty="0"/>
-          </a:p>
-          <a:p>
-            <a:r>
-              <a:rPr lang="en-US" dirty="0"/>
-              <a:t>Contains ranking and details of players in ATP Tennis Tour</a:t>
-            </a:r>
-          </a:p>
-          <a:p>
-            <a:pPr marL="0" indent="0">
-              <a:buNone/>
-            </a:pPr>
-            <a:endParaRPr lang="en-US" dirty="0"/>
-          </a:p>
-        </p:txBody>
-      </p:sp>
+        </p:nvPicPr>
+        <p:blipFill>
+          <a:blip r:embed="rId2"/>
+          <a:stretch>
+            <a:fillRect/>
+          </a:stretch>
+        </p:blipFill>
+        <p:spPr>
+          <a:xfrm>
+            <a:off x="1371601" y="2026568"/>
+            <a:ext cx="7648831" cy="3855445"/>
+          </a:xfrm>
+          <a:prstGeom prst="rect">
+            <a:avLst/>
+          </a:prstGeom>
+        </p:spPr>
+      </p:pic>
       <p:pic>
         <p:nvPicPr>
           <p:cNvPr id="5" name="Graphic 4">
@@ -4183,10 +4201,10 @@
           <p:nvPr/>
         </p:nvPicPr>
         <p:blipFill>
-          <a:blip r:embed="rId2">
+          <a:blip r:embed="rId3">
             <a:extLst>
               <a:ext uri="{96DAC541-7B7A-43D3-8B79-37D633B846F1}">
-                <asvg:svgBlip xmlns:asvg="http://schemas.microsoft.com/office/drawing/2016/SVG/main" r:embed="rId3"/>
+                <asvg:svgBlip xmlns:asvg="http://schemas.microsoft.com/office/drawing/2016/SVG/main" r:embed="rId4"/>
               </a:ext>
             </a:extLst>
           </a:blip>
@@ -4252,61 +4270,57 @@
         </p:nvSpPr>
         <p:spPr/>
         <p:txBody>
-          <a:bodyPr/>
+          <a:bodyPr>
+            <a:normAutofit fontScale="90000"/>
+          </a:bodyPr>
           <a:lstStyle/>
           <a:p>
             <a:r>
               <a:rPr lang="en-US" dirty="0"/>
-              <a:t>Data exploration</a:t>
-            </a:r>
-          </a:p>
-        </p:txBody>
-      </p:sp>
-      <p:sp>
-        <p:nvSpPr>
-          <p:cNvPr id="3" name="Content Placeholder 2">
-            <a:extLst>
-              <a:ext uri="{FF2B5EF4-FFF2-40B4-BE49-F238E27FC236}">
-                <a16:creationId xmlns:a16="http://schemas.microsoft.com/office/drawing/2014/main" id="{18A232BB-9208-0D4D-9AF6-B59DAA37C785}"/>
-              </a:ext>
-            </a:extLst>
-          </p:cNvPr>
-          <p:cNvSpPr>
-            <a:spLocks noGrp="1"/>
-          </p:cNvSpPr>
+              <a:t>Data exploration: </a:t>
+            </a:r>
+            <a:br>
+              <a:rPr lang="en-US" dirty="0"/>
+            </a:br>
+            <a:r>
+              <a:rPr lang="en-US" dirty="0"/>
+              <a:t>lowest ranking by countries</a:t>
+            </a:r>
+          </a:p>
+        </p:txBody>
+      </p:sp>
+      <p:pic>
+        <p:nvPicPr>
+          <p:cNvPr id="4" name="Content Placeholder 3">
+            <a:extLst>
+              <a:ext uri="{FF2B5EF4-FFF2-40B4-BE49-F238E27FC236}">
+                <a16:creationId xmlns:a16="http://schemas.microsoft.com/office/drawing/2014/main" id="{A560A236-0789-234D-BE21-48894CD010F7}"/>
+              </a:ext>
+            </a:extLst>
+          </p:cNvPr>
+          <p:cNvPicPr>
+            <a:picLocks noGrp="1" noChangeAspect="1"/>
+          </p:cNvPicPr>
           <p:nvPr>
             <p:ph idx="1"/>
           </p:nvPr>
-        </p:nvSpPr>
-        <p:spPr/>
-        <p:txBody>
-          <a:bodyPr/>
-          <a:lstStyle/>
-          <a:p>
-            <a:r>
-              <a:rPr lang="en-US" dirty="0"/>
-              <a:t>Scrapped website: </a:t>
-            </a:r>
-            <a:r>
-              <a:rPr lang="en-US" dirty="0" err="1"/>
-              <a:t>ATPTour.org</a:t>
-            </a:r>
-            <a:endParaRPr lang="en-US" dirty="0"/>
-          </a:p>
-          <a:p>
-            <a:r>
-              <a:rPr lang="en-US" dirty="0"/>
-              <a:t>Contains ranking and details of players in ATP Tennis Tour</a:t>
-            </a:r>
-          </a:p>
-          <a:p>
-            <a:pPr marL="0" indent="0">
-              <a:buNone/>
-            </a:pPr>
-            <a:endParaRPr lang="en-US" dirty="0"/>
-          </a:p>
-        </p:txBody>
-      </p:sp>
+        </p:nvPicPr>
+        <p:blipFill>
+          <a:blip r:embed="rId2"/>
+          <a:stretch>
+            <a:fillRect/>
+          </a:stretch>
+        </p:blipFill>
+        <p:spPr>
+          <a:xfrm>
+            <a:off x="1371600" y="2026568"/>
+            <a:ext cx="7733339" cy="3956050"/>
+          </a:xfrm>
+          <a:prstGeom prst="rect">
+            <a:avLst/>
+          </a:prstGeom>
+        </p:spPr>
+      </p:pic>
       <p:pic>
         <p:nvPicPr>
           <p:cNvPr id="5" name="Graphic 4">
@@ -4322,10 +4336,10 @@
           <p:nvPr/>
         </p:nvPicPr>
         <p:blipFill>
-          <a:blip r:embed="rId2">
+          <a:blip r:embed="rId3">
             <a:extLst>
               <a:ext uri="{96DAC541-7B7A-43D3-8B79-37D633B846F1}">
-                <asvg:svgBlip xmlns:asvg="http://schemas.microsoft.com/office/drawing/2016/SVG/main" r:embed="rId3"/>
+                <asvg:svgBlip xmlns:asvg="http://schemas.microsoft.com/office/drawing/2016/SVG/main" r:embed="rId4"/>
               </a:ext>
             </a:extLst>
           </a:blip>
@@ -4396,26 +4410,131 @@
           <a:p>
             <a:r>
               <a:rPr lang="en-US" dirty="0"/>
-              <a:t>Data exploration</a:t>
-            </a:r>
-          </a:p>
-        </p:txBody>
-      </p:sp>
-      <p:sp>
-        <p:nvSpPr>
-          <p:cNvPr id="3" name="Content Placeholder 2">
-            <a:extLst>
-              <a:ext uri="{FF2B5EF4-FFF2-40B4-BE49-F238E27FC236}">
-                <a16:creationId xmlns:a16="http://schemas.microsoft.com/office/drawing/2014/main" id="{18A232BB-9208-0D4D-9AF6-B59DAA37C785}"/>
-              </a:ext>
-            </a:extLst>
-          </p:cNvPr>
-          <p:cNvSpPr>
-            <a:spLocks noGrp="1"/>
-          </p:cNvSpPr>
+              <a:t>Data exploration: </a:t>
+            </a:r>
+            <a:br>
+              <a:rPr lang="en-US" dirty="0"/>
+            </a:br>
+            <a:r>
+              <a:rPr lang="en-US" dirty="0"/>
+              <a:t>Left handed and backhand</a:t>
+            </a:r>
+          </a:p>
+        </p:txBody>
+      </p:sp>
+      <p:pic>
+        <p:nvPicPr>
+          <p:cNvPr id="4" name="Content Placeholder 3">
+            <a:extLst>
+              <a:ext uri="{FF2B5EF4-FFF2-40B4-BE49-F238E27FC236}">
+                <a16:creationId xmlns:a16="http://schemas.microsoft.com/office/drawing/2014/main" id="{C9A69E80-5662-764D-B127-FBF12A8FE9DE}"/>
+              </a:ext>
+            </a:extLst>
+          </p:cNvPr>
+          <p:cNvPicPr>
+            <a:picLocks noGrp="1" noChangeAspect="1"/>
+          </p:cNvPicPr>
           <p:nvPr>
             <p:ph idx="1"/>
           </p:nvPr>
+        </p:nvPicPr>
+        <p:blipFill>
+          <a:blip r:embed="rId2"/>
+          <a:stretch>
+            <a:fillRect/>
+          </a:stretch>
+        </p:blipFill>
+        <p:spPr>
+          <a:xfrm>
+            <a:off x="1676627" y="2108870"/>
+            <a:ext cx="6267598" cy="3956050"/>
+          </a:xfrm>
+          <a:prstGeom prst="rect">
+            <a:avLst/>
+          </a:prstGeom>
+        </p:spPr>
+      </p:pic>
+      <p:pic>
+        <p:nvPicPr>
+          <p:cNvPr id="5" name="Graphic 4">
+            <a:extLst>
+              <a:ext uri="{FF2B5EF4-FFF2-40B4-BE49-F238E27FC236}">
+                <a16:creationId xmlns:a16="http://schemas.microsoft.com/office/drawing/2014/main" id="{BFF2B402-0D6C-D54D-B910-53CC324E29A7}"/>
+              </a:ext>
+            </a:extLst>
+          </p:cNvPr>
+          <p:cNvPicPr>
+            <a:picLocks noChangeAspect="1"/>
+          </p:cNvPicPr>
+          <p:nvPr/>
+        </p:nvPicPr>
+        <p:blipFill>
+          <a:blip r:embed="rId3">
+            <a:extLst>
+              <a:ext uri="{96DAC541-7B7A-43D3-8B79-37D633B846F1}">
+                <asvg:svgBlip xmlns:asvg="http://schemas.microsoft.com/office/drawing/2016/SVG/main" r:embed="rId4"/>
+              </a:ext>
+            </a:extLst>
+          </a:blip>
+          <a:stretch>
+            <a:fillRect/>
+          </a:stretch>
+        </p:blipFill>
+        <p:spPr>
+          <a:xfrm>
+            <a:off x="9142010" y="4829762"/>
+            <a:ext cx="2470493" cy="1448625"/>
+          </a:xfrm>
+          <a:prstGeom prst="rect">
+            <a:avLst/>
+          </a:prstGeom>
+        </p:spPr>
+      </p:pic>
+    </p:spTree>
+    <p:extLst>
+      <p:ext uri="{BB962C8B-B14F-4D97-AF65-F5344CB8AC3E}">
+        <p14:creationId xmlns:p14="http://schemas.microsoft.com/office/powerpoint/2010/main" val="1509750317"/>
+      </p:ext>
+    </p:extLst>
+  </p:cSld>
+  <p:clrMapOvr>
+    <a:masterClrMapping/>
+  </p:clrMapOvr>
+</p:sld>
+</file>
+
+<file path=ppt/slides/slide13.xml><?xml version="1.0" encoding="utf-8"?>
+<p:sld xmlns:a="http://schemas.openxmlformats.org/drawingml/2006/main" xmlns:r="http://schemas.openxmlformats.org/officeDocument/2006/relationships" xmlns:p="http://schemas.openxmlformats.org/presentationml/2006/main">
+  <p:cSld>
+    <p:spTree>
+      <p:nvGrpSpPr>
+        <p:cNvPr id="1" name=""/>
+        <p:cNvGrpSpPr/>
+        <p:nvPr/>
+      </p:nvGrpSpPr>
+      <p:grpSpPr>
+        <a:xfrm>
+          <a:off x="0" y="0"/>
+          <a:ext cx="0" cy="0"/>
+          <a:chOff x="0" y="0"/>
+          <a:chExt cx="0" cy="0"/>
+        </a:xfrm>
+      </p:grpSpPr>
+      <p:sp>
+        <p:nvSpPr>
+          <p:cNvPr id="2" name="Title 1">
+            <a:extLst>
+              <a:ext uri="{FF2B5EF4-FFF2-40B4-BE49-F238E27FC236}">
+                <a16:creationId xmlns:a16="http://schemas.microsoft.com/office/drawing/2014/main" id="{0CEAAF65-A24C-6B49-B81F-59285E8C9286}"/>
+              </a:ext>
+            </a:extLst>
+          </p:cNvPr>
+          <p:cNvSpPr>
+            <a:spLocks noGrp="1"/>
+          </p:cNvSpPr>
+          <p:nvPr>
+            <p:ph type="title"/>
+          </p:nvPr>
         </p:nvSpPr>
         <p:spPr/>
         <p:txBody>
@@ -4424,25 +4543,285 @@
           <a:p>
             <a:r>
               <a:rPr lang="en-US" dirty="0"/>
-              <a:t>Scrapped website: </a:t>
-            </a:r>
-            <a:r>
-              <a:rPr lang="en-US" dirty="0" err="1"/>
-              <a:t>ATPTour.org</a:t>
-            </a:r>
-            <a:endParaRPr lang="en-US" dirty="0"/>
-          </a:p>
-          <a:p>
-            <a:r>
+              <a:t>Data exploration:</a:t>
+            </a:r>
+            <a:br>
               <a:rPr lang="en-US" dirty="0"/>
-              <a:t>Contains ranking and details of players in ATP Tennis Tour</a:t>
-            </a:r>
-          </a:p>
-          <a:p>
-            <a:pPr marL="0" indent="0">
-              <a:buNone/>
-            </a:pPr>
-            <a:endParaRPr lang="en-US" dirty="0"/>
+            </a:br>
+            <a:r>
+              <a:rPr lang="en-US" dirty="0"/>
+              <a:t>Left handed and backhand</a:t>
+            </a:r>
+          </a:p>
+        </p:txBody>
+      </p:sp>
+      <p:pic>
+        <p:nvPicPr>
+          <p:cNvPr id="7" name="Content Placeholder 6">
+            <a:extLst>
+              <a:ext uri="{FF2B5EF4-FFF2-40B4-BE49-F238E27FC236}">
+                <a16:creationId xmlns:a16="http://schemas.microsoft.com/office/drawing/2014/main" id="{4DC44D93-286B-2749-9A60-F20B8B023D18}"/>
+              </a:ext>
+            </a:extLst>
+          </p:cNvPr>
+          <p:cNvPicPr>
+            <a:picLocks noGrp="1" noChangeAspect="1"/>
+          </p:cNvPicPr>
+          <p:nvPr>
+            <p:ph idx="1"/>
+          </p:nvPr>
+        </p:nvPicPr>
+        <p:blipFill>
+          <a:blip r:embed="rId2"/>
+          <a:stretch>
+            <a:fillRect/>
+          </a:stretch>
+        </p:blipFill>
+        <p:spPr>
+          <a:xfrm>
+            <a:off x="1627347" y="2108870"/>
+            <a:ext cx="6989960" cy="3956050"/>
+          </a:xfrm>
+          <a:prstGeom prst="rect">
+            <a:avLst/>
+          </a:prstGeom>
+        </p:spPr>
+      </p:pic>
+      <p:pic>
+        <p:nvPicPr>
+          <p:cNvPr id="5" name="Graphic 4">
+            <a:extLst>
+              <a:ext uri="{FF2B5EF4-FFF2-40B4-BE49-F238E27FC236}">
+                <a16:creationId xmlns:a16="http://schemas.microsoft.com/office/drawing/2014/main" id="{BFF2B402-0D6C-D54D-B910-53CC324E29A7}"/>
+              </a:ext>
+            </a:extLst>
+          </p:cNvPr>
+          <p:cNvPicPr>
+            <a:picLocks noChangeAspect="1"/>
+          </p:cNvPicPr>
+          <p:nvPr/>
+        </p:nvPicPr>
+        <p:blipFill>
+          <a:blip r:embed="rId3">
+            <a:extLst>
+              <a:ext uri="{96DAC541-7B7A-43D3-8B79-37D633B846F1}">
+                <asvg:svgBlip xmlns:asvg="http://schemas.microsoft.com/office/drawing/2016/SVG/main" r:embed="rId4"/>
+              </a:ext>
+            </a:extLst>
+          </a:blip>
+          <a:stretch>
+            <a:fillRect/>
+          </a:stretch>
+        </p:blipFill>
+        <p:spPr>
+          <a:xfrm>
+            <a:off x="9142010" y="4829762"/>
+            <a:ext cx="2470493" cy="1448625"/>
+          </a:xfrm>
+          <a:prstGeom prst="rect">
+            <a:avLst/>
+          </a:prstGeom>
+        </p:spPr>
+      </p:pic>
+    </p:spTree>
+    <p:extLst>
+      <p:ext uri="{BB962C8B-B14F-4D97-AF65-F5344CB8AC3E}">
+        <p14:creationId xmlns:p14="http://schemas.microsoft.com/office/powerpoint/2010/main" val="2290508557"/>
+      </p:ext>
+    </p:extLst>
+  </p:cSld>
+  <p:clrMapOvr>
+    <a:masterClrMapping/>
+  </p:clrMapOvr>
+</p:sld>
+</file>
+
+<file path=ppt/slides/slide14.xml><?xml version="1.0" encoding="utf-8"?>
+<p:sld xmlns:a="http://schemas.openxmlformats.org/drawingml/2006/main" xmlns:r="http://schemas.openxmlformats.org/officeDocument/2006/relationships" xmlns:p="http://schemas.openxmlformats.org/presentationml/2006/main">
+  <p:cSld>
+    <p:spTree>
+      <p:nvGrpSpPr>
+        <p:cNvPr id="1" name=""/>
+        <p:cNvGrpSpPr/>
+        <p:nvPr/>
+      </p:nvGrpSpPr>
+      <p:grpSpPr>
+        <a:xfrm>
+          <a:off x="0" y="0"/>
+          <a:ext cx="0" cy="0"/>
+          <a:chOff x="0" y="0"/>
+          <a:chExt cx="0" cy="0"/>
+        </a:xfrm>
+      </p:grpSpPr>
+      <p:sp>
+        <p:nvSpPr>
+          <p:cNvPr id="2" name="Title 1">
+            <a:extLst>
+              <a:ext uri="{FF2B5EF4-FFF2-40B4-BE49-F238E27FC236}">
+                <a16:creationId xmlns:a16="http://schemas.microsoft.com/office/drawing/2014/main" id="{0CEAAF65-A24C-6B49-B81F-59285E8C9286}"/>
+              </a:ext>
+            </a:extLst>
+          </p:cNvPr>
+          <p:cNvSpPr>
+            <a:spLocks noGrp="1"/>
+          </p:cNvSpPr>
+          <p:nvPr>
+            <p:ph type="title"/>
+          </p:nvPr>
+        </p:nvSpPr>
+        <p:spPr/>
+        <p:txBody>
+          <a:bodyPr>
+            <a:normAutofit/>
+          </a:bodyPr>
+          <a:lstStyle/>
+          <a:p>
+            <a:r>
+              <a:rPr lang="en-US" dirty="0"/>
+              <a:t>Data exploration: </a:t>
+            </a:r>
+            <a:br>
+              <a:rPr lang="en-US" dirty="0"/>
+            </a:br>
+            <a:r>
+              <a:rPr lang="en-US" dirty="0"/>
+              <a:t>PCA Analysis-correlation</a:t>
+            </a:r>
+          </a:p>
+        </p:txBody>
+      </p:sp>
+      <p:pic>
+        <p:nvPicPr>
+          <p:cNvPr id="4" name="Content Placeholder 3">
+            <a:extLst>
+              <a:ext uri="{FF2B5EF4-FFF2-40B4-BE49-F238E27FC236}">
+                <a16:creationId xmlns:a16="http://schemas.microsoft.com/office/drawing/2014/main" id="{977FCD7F-3442-264A-B842-5DE8396E299E}"/>
+              </a:ext>
+            </a:extLst>
+          </p:cNvPr>
+          <p:cNvPicPr>
+            <a:picLocks noGrp="1" noChangeAspect="1"/>
+          </p:cNvPicPr>
+          <p:nvPr>
+            <p:ph idx="1"/>
+          </p:nvPr>
+        </p:nvPicPr>
+        <p:blipFill>
+          <a:blip r:embed="rId2"/>
+          <a:stretch>
+            <a:fillRect/>
+          </a:stretch>
+        </p:blipFill>
+        <p:spPr>
+          <a:xfrm>
+            <a:off x="1371600" y="2026568"/>
+            <a:ext cx="7364908" cy="3956050"/>
+          </a:xfrm>
+          <a:prstGeom prst="rect">
+            <a:avLst/>
+          </a:prstGeom>
+        </p:spPr>
+      </p:pic>
+      <p:pic>
+        <p:nvPicPr>
+          <p:cNvPr id="5" name="Graphic 4">
+            <a:extLst>
+              <a:ext uri="{FF2B5EF4-FFF2-40B4-BE49-F238E27FC236}">
+                <a16:creationId xmlns:a16="http://schemas.microsoft.com/office/drawing/2014/main" id="{BFF2B402-0D6C-D54D-B910-53CC324E29A7}"/>
+              </a:ext>
+            </a:extLst>
+          </p:cNvPr>
+          <p:cNvPicPr>
+            <a:picLocks noChangeAspect="1"/>
+          </p:cNvPicPr>
+          <p:nvPr/>
+        </p:nvPicPr>
+        <p:blipFill>
+          <a:blip r:embed="rId3">
+            <a:extLst>
+              <a:ext uri="{96DAC541-7B7A-43D3-8B79-37D633B846F1}">
+                <asvg:svgBlip xmlns:asvg="http://schemas.microsoft.com/office/drawing/2016/SVG/main" r:embed="rId4"/>
+              </a:ext>
+            </a:extLst>
+          </a:blip>
+          <a:stretch>
+            <a:fillRect/>
+          </a:stretch>
+        </p:blipFill>
+        <p:spPr>
+          <a:xfrm>
+            <a:off x="9142010" y="4829762"/>
+            <a:ext cx="2470493" cy="1448625"/>
+          </a:xfrm>
+          <a:prstGeom prst="rect">
+            <a:avLst/>
+          </a:prstGeom>
+        </p:spPr>
+      </p:pic>
+    </p:spTree>
+    <p:extLst>
+      <p:ext uri="{BB962C8B-B14F-4D97-AF65-F5344CB8AC3E}">
+        <p14:creationId xmlns:p14="http://schemas.microsoft.com/office/powerpoint/2010/main" val="1116950997"/>
+      </p:ext>
+    </p:extLst>
+  </p:cSld>
+  <p:clrMapOvr>
+    <a:masterClrMapping/>
+  </p:clrMapOvr>
+</p:sld>
+</file>
+
+<file path=ppt/slides/slide15.xml><?xml version="1.0" encoding="utf-8"?>
+<p:sld xmlns:a="http://schemas.openxmlformats.org/drawingml/2006/main" xmlns:r="http://schemas.openxmlformats.org/officeDocument/2006/relationships" xmlns:p="http://schemas.openxmlformats.org/presentationml/2006/main">
+  <p:cSld>
+    <p:spTree>
+      <p:nvGrpSpPr>
+        <p:cNvPr id="1" name=""/>
+        <p:cNvGrpSpPr/>
+        <p:nvPr/>
+      </p:nvGrpSpPr>
+      <p:grpSpPr>
+        <a:xfrm>
+          <a:off x="0" y="0"/>
+          <a:ext cx="0" cy="0"/>
+          <a:chOff x="0" y="0"/>
+          <a:chExt cx="0" cy="0"/>
+        </a:xfrm>
+      </p:grpSpPr>
+      <p:sp>
+        <p:nvSpPr>
+          <p:cNvPr id="2" name="Title 1">
+            <a:extLst>
+              <a:ext uri="{FF2B5EF4-FFF2-40B4-BE49-F238E27FC236}">
+                <a16:creationId xmlns:a16="http://schemas.microsoft.com/office/drawing/2014/main" id="{0CEAAF65-A24C-6B49-B81F-59285E8C9286}"/>
+              </a:ext>
+            </a:extLst>
+          </p:cNvPr>
+          <p:cNvSpPr>
+            <a:spLocks noGrp="1"/>
+          </p:cNvSpPr>
+          <p:nvPr>
+            <p:ph type="title"/>
+          </p:nvPr>
+        </p:nvSpPr>
+        <p:spPr/>
+        <p:txBody>
+          <a:bodyPr>
+            <a:normAutofit/>
+          </a:bodyPr>
+          <a:lstStyle/>
+          <a:p>
+            <a:r>
+              <a:rPr lang="en-US" dirty="0"/>
+              <a:t>Data exploration: </a:t>
+            </a:r>
+            <a:br>
+              <a:rPr lang="en-US" dirty="0"/>
+            </a:br>
+            <a:r>
+              <a:rPr lang="en-US" dirty="0"/>
+              <a:t>PCA Analysis-factor loading</a:t>
+            </a:r>
           </a:p>
         </p:txBody>
       </p:sp>
@@ -4482,10 +4861,175 @@
           </a:prstGeom>
         </p:spPr>
       </p:pic>
+      <p:pic>
+        <p:nvPicPr>
+          <p:cNvPr id="8" name="Content Placeholder 7">
+            <a:extLst>
+              <a:ext uri="{FF2B5EF4-FFF2-40B4-BE49-F238E27FC236}">
+                <a16:creationId xmlns:a16="http://schemas.microsoft.com/office/drawing/2014/main" id="{4F0A5F18-94F5-CC4C-9C26-A273453389E4}"/>
+              </a:ext>
+            </a:extLst>
+          </p:cNvPr>
+          <p:cNvPicPr>
+            <a:picLocks noGrp="1" noChangeAspect="1"/>
+          </p:cNvPicPr>
+          <p:nvPr>
+            <p:ph idx="1"/>
+          </p:nvPr>
+        </p:nvPicPr>
+        <p:blipFill>
+          <a:blip r:embed="rId4"/>
+          <a:stretch>
+            <a:fillRect/>
+          </a:stretch>
+        </p:blipFill>
+        <p:spPr>
+          <a:xfrm>
+            <a:off x="2367013" y="2108870"/>
+            <a:ext cx="5531649" cy="3956050"/>
+          </a:xfrm>
+          <a:prstGeom prst="rect">
+            <a:avLst/>
+          </a:prstGeom>
+        </p:spPr>
+      </p:pic>
     </p:spTree>
     <p:extLst>
       <p:ext uri="{BB962C8B-B14F-4D97-AF65-F5344CB8AC3E}">
-        <p14:creationId xmlns:p14="http://schemas.microsoft.com/office/powerpoint/2010/main" val="2290508557"/>
+        <p14:creationId xmlns:p14="http://schemas.microsoft.com/office/powerpoint/2010/main" val="2318124865"/>
+      </p:ext>
+    </p:extLst>
+  </p:cSld>
+  <p:clrMapOvr>
+    <a:masterClrMapping/>
+  </p:clrMapOvr>
+</p:sld>
+</file>
+
+<file path=ppt/slides/slide16.xml><?xml version="1.0" encoding="utf-8"?>
+<p:sld xmlns:a="http://schemas.openxmlformats.org/drawingml/2006/main" xmlns:r="http://schemas.openxmlformats.org/officeDocument/2006/relationships" xmlns:p="http://schemas.openxmlformats.org/presentationml/2006/main">
+  <p:cSld>
+    <p:spTree>
+      <p:nvGrpSpPr>
+        <p:cNvPr id="1" name=""/>
+        <p:cNvGrpSpPr/>
+        <p:nvPr/>
+      </p:nvGrpSpPr>
+      <p:grpSpPr>
+        <a:xfrm>
+          <a:off x="0" y="0"/>
+          <a:ext cx="0" cy="0"/>
+          <a:chOff x="0" y="0"/>
+          <a:chExt cx="0" cy="0"/>
+        </a:xfrm>
+      </p:grpSpPr>
+      <p:sp>
+        <p:nvSpPr>
+          <p:cNvPr id="2" name="Title 1">
+            <a:extLst>
+              <a:ext uri="{FF2B5EF4-FFF2-40B4-BE49-F238E27FC236}">
+                <a16:creationId xmlns:a16="http://schemas.microsoft.com/office/drawing/2014/main" id="{0CEAAF65-A24C-6B49-B81F-59285E8C9286}"/>
+              </a:ext>
+            </a:extLst>
+          </p:cNvPr>
+          <p:cNvSpPr>
+            <a:spLocks noGrp="1"/>
+          </p:cNvSpPr>
+          <p:nvPr>
+            <p:ph type="title"/>
+          </p:nvPr>
+        </p:nvSpPr>
+        <p:spPr/>
+        <p:txBody>
+          <a:bodyPr/>
+          <a:lstStyle/>
+          <a:p>
+            <a:r>
+              <a:rPr lang="en-US" dirty="0"/>
+              <a:t>Data exploration: </a:t>
+            </a:r>
+            <a:br>
+              <a:rPr lang="en-US" dirty="0"/>
+            </a:br>
+            <a:r>
+              <a:rPr lang="en-US" dirty="0"/>
+              <a:t>PCA Analysis-biplot</a:t>
+            </a:r>
+          </a:p>
+        </p:txBody>
+      </p:sp>
+      <p:pic>
+        <p:nvPicPr>
+          <p:cNvPr id="4" name="Content Placeholder 3">
+            <a:extLst>
+              <a:ext uri="{FF2B5EF4-FFF2-40B4-BE49-F238E27FC236}">
+                <a16:creationId xmlns:a16="http://schemas.microsoft.com/office/drawing/2014/main" id="{D683B253-7F6B-BD45-87D3-DF280FC4E36A}"/>
+              </a:ext>
+            </a:extLst>
+          </p:cNvPr>
+          <p:cNvPicPr>
+            <a:picLocks noGrp="1" noChangeAspect="1"/>
+          </p:cNvPicPr>
+          <p:nvPr>
+            <p:ph idx="1"/>
+          </p:nvPr>
+        </p:nvPicPr>
+        <p:blipFill>
+          <a:blip r:embed="rId2"/>
+          <a:stretch>
+            <a:fillRect/>
+          </a:stretch>
+        </p:blipFill>
+        <p:spPr>
+          <a:xfrm>
+            <a:off x="1462790" y="2108870"/>
+            <a:ext cx="7809652" cy="3956050"/>
+          </a:xfrm>
+          <a:prstGeom prst="rect">
+            <a:avLst/>
+          </a:prstGeom>
+        </p:spPr>
+      </p:pic>
+      <p:pic>
+        <p:nvPicPr>
+          <p:cNvPr id="5" name="Graphic 4">
+            <a:extLst>
+              <a:ext uri="{FF2B5EF4-FFF2-40B4-BE49-F238E27FC236}">
+                <a16:creationId xmlns:a16="http://schemas.microsoft.com/office/drawing/2014/main" id="{BFF2B402-0D6C-D54D-B910-53CC324E29A7}"/>
+              </a:ext>
+            </a:extLst>
+          </p:cNvPr>
+          <p:cNvPicPr>
+            <a:picLocks noChangeAspect="1"/>
+          </p:cNvPicPr>
+          <p:nvPr/>
+        </p:nvPicPr>
+        <p:blipFill>
+          <a:blip r:embed="rId3">
+            <a:extLst>
+              <a:ext uri="{96DAC541-7B7A-43D3-8B79-37D633B846F1}">
+                <asvg:svgBlip xmlns:asvg="http://schemas.microsoft.com/office/drawing/2016/SVG/main" r:embed="rId4"/>
+              </a:ext>
+            </a:extLst>
+          </a:blip>
+          <a:stretch>
+            <a:fillRect/>
+          </a:stretch>
+        </p:blipFill>
+        <p:spPr>
+          <a:xfrm>
+            <a:off x="9142010" y="4829762"/>
+            <a:ext cx="2470493" cy="1448625"/>
+          </a:xfrm>
+          <a:prstGeom prst="rect">
+            <a:avLst/>
+          </a:prstGeom>
+        </p:spPr>
+      </p:pic>
+    </p:spTree>
+    <p:extLst>
+      <p:ext uri="{BB962C8B-B14F-4D97-AF65-F5344CB8AC3E}">
+        <p14:creationId xmlns:p14="http://schemas.microsoft.com/office/powerpoint/2010/main" val="3981738116"/>
       </p:ext>
     </p:extLst>
   </p:cSld>
@@ -5924,52 +6468,50 @@
         </p:nvSpPr>
         <p:spPr/>
         <p:txBody>
+          <a:bodyPr>
+            <a:normAutofit fontScale="90000"/>
+          </a:bodyPr>
+          <a:lstStyle/>
+          <a:p>
+            <a:r>
+              <a:rPr lang="en-US" dirty="0"/>
+              <a:t>Data exploration: </a:t>
+            </a:r>
+            <a:br>
+              <a:rPr lang="en-US" dirty="0"/>
+            </a:br>
+            <a:r>
+              <a:rPr lang="en-US" dirty="0"/>
+              <a:t>countries with most players</a:t>
+            </a:r>
+          </a:p>
+        </p:txBody>
+      </p:sp>
+      <p:sp>
+        <p:nvSpPr>
+          <p:cNvPr id="3" name="Content Placeholder 2">
+            <a:extLst>
+              <a:ext uri="{FF2B5EF4-FFF2-40B4-BE49-F238E27FC236}">
+                <a16:creationId xmlns:a16="http://schemas.microsoft.com/office/drawing/2014/main" id="{18A232BB-9208-0D4D-9AF6-B59DAA37C785}"/>
+              </a:ext>
+            </a:extLst>
+          </p:cNvPr>
+          <p:cNvSpPr>
+            <a:spLocks noGrp="1"/>
+          </p:cNvSpPr>
+          <p:nvPr>
+            <p:ph idx="1"/>
+          </p:nvPr>
+        </p:nvSpPr>
+        <p:spPr/>
+        <p:txBody>
           <a:bodyPr/>
           <a:lstStyle/>
           <a:p>
-            <a:r>
-              <a:rPr lang="en-US" dirty="0"/>
-              <a:t>Data exploration</a:t>
-            </a:r>
-          </a:p>
-        </p:txBody>
-      </p:sp>
-      <p:sp>
-        <p:nvSpPr>
-          <p:cNvPr id="3" name="Content Placeholder 2">
-            <a:extLst>
-              <a:ext uri="{FF2B5EF4-FFF2-40B4-BE49-F238E27FC236}">
-                <a16:creationId xmlns:a16="http://schemas.microsoft.com/office/drawing/2014/main" id="{18A232BB-9208-0D4D-9AF6-B59DAA37C785}"/>
-              </a:ext>
-            </a:extLst>
-          </p:cNvPr>
-          <p:cNvSpPr>
-            <a:spLocks noGrp="1"/>
-          </p:cNvSpPr>
-          <p:nvPr>
-            <p:ph idx="1"/>
-          </p:nvPr>
-        </p:nvSpPr>
-        <p:spPr/>
-        <p:txBody>
-          <a:bodyPr/>
-          <a:lstStyle/>
-          <a:p>
-            <a:r>
-              <a:rPr lang="en-US" dirty="0"/>
-              <a:t>Scrapped website: </a:t>
-            </a:r>
-            <a:r>
-              <a:rPr lang="en-US" dirty="0" err="1"/>
-              <a:t>ATPTour.org</a:t>
-            </a:r>
+            <a:pPr marL="0" indent="0">
+              <a:buNone/>
+            </a:pPr>
             <a:endParaRPr lang="en-US" dirty="0"/>
-          </a:p>
-          <a:p>
-            <a:r>
-              <a:rPr lang="en-US" dirty="0"/>
-              <a:t>Contains ranking and details of players in ATP Tennis Tour</a:t>
-            </a:r>
           </a:p>
           <a:p>
             <a:pPr marL="0" indent="0">
@@ -6009,6 +6551,36 @@
           <a:xfrm>
             <a:off x="9142010" y="4829762"/>
             <a:ext cx="2470493" cy="1448625"/>
+          </a:xfrm>
+          <a:prstGeom prst="rect">
+            <a:avLst/>
+          </a:prstGeom>
+        </p:spPr>
+      </p:pic>
+      <p:pic>
+        <p:nvPicPr>
+          <p:cNvPr id="4" name="Picture 3">
+            <a:extLst>
+              <a:ext uri="{FF2B5EF4-FFF2-40B4-BE49-F238E27FC236}">
+                <a16:creationId xmlns:a16="http://schemas.microsoft.com/office/drawing/2014/main" id="{43573B5C-E57C-EB43-965A-A91EE29BB77A}"/>
+              </a:ext>
+            </a:extLst>
+          </p:cNvPr>
+          <p:cNvPicPr>
+            <a:picLocks noChangeAspect="1"/>
+          </p:cNvPicPr>
+          <p:nvPr/>
+        </p:nvPicPr>
+        <p:blipFill>
+          <a:blip r:embed="rId4"/>
+          <a:stretch>
+            <a:fillRect/>
+          </a:stretch>
+        </p:blipFill>
+        <p:spPr>
+          <a:xfrm>
+            <a:off x="988540" y="2114939"/>
+            <a:ext cx="7502576" cy="3536821"/>
           </a:xfrm>
           <a:prstGeom prst="rect">
             <a:avLst/>

--- a/WebScraping_Tennis.pptx
+++ b/WebScraping_Tennis.pptx
@@ -4405,19 +4405,14 @@
         </p:nvSpPr>
         <p:spPr/>
         <p:txBody>
-          <a:bodyPr/>
+          <a:bodyPr>
+            <a:normAutofit fontScale="90000"/>
+          </a:bodyPr>
           <a:lstStyle/>
           <a:p>
             <a:r>
               <a:rPr lang="en-US" dirty="0"/>
-              <a:t>Data exploration: </a:t>
-            </a:r>
-            <a:br>
-              <a:rPr lang="en-US" dirty="0"/>
-            </a:br>
-            <a:r>
-              <a:rPr lang="en-US" dirty="0"/>
-              <a:t>Left handed and backhand</a:t>
+              <a:t>Data exploration: Left-handed and backhand players</a:t>
             </a:r>
           </a:p>
         </p:txBody>
@@ -4538,19 +4533,14 @@
         </p:nvSpPr>
         <p:spPr/>
         <p:txBody>
-          <a:bodyPr/>
+          <a:bodyPr>
+            <a:normAutofit fontScale="90000"/>
+          </a:bodyPr>
           <a:lstStyle/>
           <a:p>
             <a:r>
               <a:rPr lang="en-US" dirty="0"/>
-              <a:t>Data exploration:</a:t>
-            </a:r>
-            <a:br>
-              <a:rPr lang="en-US" dirty="0"/>
-            </a:br>
-            <a:r>
-              <a:rPr lang="en-US" dirty="0"/>
-              <a:t>Left handed and backhand</a:t>
+              <a:t>Data exploration: Left-handed and backhand players</a:t>
             </a:r>
           </a:p>
         </p:txBody>
@@ -4672,20 +4662,13 @@
         <p:spPr/>
         <p:txBody>
           <a:bodyPr>
-            <a:normAutofit/>
+            <a:normAutofit fontScale="90000"/>
           </a:bodyPr>
           <a:lstStyle/>
           <a:p>
             <a:r>
               <a:rPr lang="en-US" dirty="0"/>
-              <a:t>Data exploration: </a:t>
-            </a:r>
-            <a:br>
-              <a:rPr lang="en-US" dirty="0"/>
-            </a:br>
-            <a:r>
-              <a:rPr lang="en-US" dirty="0"/>
-              <a:t>PCA Analysis-correlation</a:t>
+              <a:t>Data exploration: PCA Analysis-correlation matrix</a:t>
             </a:r>
           </a:p>
         </p:txBody>
